--- a/slides/5-Lecture - Proving Techniques in Diff Geo—Using examples.pptx
+++ b/slides/5-Lecture - Proving Techniques in Diff Geo—Using examples.pptx
@@ -9,7 +9,17 @@
     <p:sldId id="261" r:id="rId3"/>
     <p:sldId id="257" r:id="rId4"/>
     <p:sldId id="259" r:id="rId5"/>
-    <p:sldId id="260" r:id="rId6"/>
+    <p:sldId id="262" r:id="rId6"/>
+    <p:sldId id="263" r:id="rId7"/>
+    <p:sldId id="264" r:id="rId8"/>
+    <p:sldId id="265" r:id="rId9"/>
+    <p:sldId id="267" r:id="rId10"/>
+    <p:sldId id="266" r:id="rId11"/>
+    <p:sldId id="268" r:id="rId12"/>
+    <p:sldId id="269" r:id="rId13"/>
+    <p:sldId id="271" r:id="rId14"/>
+    <p:sldId id="270" r:id="rId15"/>
+    <p:sldId id="260" r:id="rId16"/>
   </p:sldIdLst>
   <p:sldSz cx="9144000" cy="6858000" type="screen4x3"/>
   <p:notesSz cx="6858000" cy="9144000"/>
@@ -292,7 +302,7 @@
           <a:p>
             <a:fld id="{5BEA20B9-9460-E54E-BEDE-0444A43942D8}" type="datetimeFigureOut">
               <a:rPr lang="en-US" smtClean="0"/>
-              <a:t>9/16/15</a:t>
+              <a:t>9/13/17</a:t>
             </a:fld>
             <a:endParaRPr lang="en-US"/>
           </a:p>
@@ -462,7 +472,7 @@
           <a:p>
             <a:fld id="{5BEA20B9-9460-E54E-BEDE-0444A43942D8}" type="datetimeFigureOut">
               <a:rPr lang="en-US" smtClean="0"/>
-              <a:t>9/16/15</a:t>
+              <a:t>9/13/17</a:t>
             </a:fld>
             <a:endParaRPr lang="en-US"/>
           </a:p>
@@ -642,7 +652,7 @@
           <a:p>
             <a:fld id="{5BEA20B9-9460-E54E-BEDE-0444A43942D8}" type="datetimeFigureOut">
               <a:rPr lang="en-US" smtClean="0"/>
-              <a:t>9/16/15</a:t>
+              <a:t>9/13/17</a:t>
             </a:fld>
             <a:endParaRPr lang="en-US"/>
           </a:p>
@@ -812,7 +822,7 @@
           <a:p>
             <a:fld id="{5BEA20B9-9460-E54E-BEDE-0444A43942D8}" type="datetimeFigureOut">
               <a:rPr lang="en-US" smtClean="0"/>
-              <a:t>9/16/15</a:t>
+              <a:t>9/13/17</a:t>
             </a:fld>
             <a:endParaRPr lang="en-US"/>
           </a:p>
@@ -1058,7 +1068,7 @@
           <a:p>
             <a:fld id="{5BEA20B9-9460-E54E-BEDE-0444A43942D8}" type="datetimeFigureOut">
               <a:rPr lang="en-US" smtClean="0"/>
-              <a:t>9/16/15</a:t>
+              <a:t>9/13/17</a:t>
             </a:fld>
             <a:endParaRPr lang="en-US"/>
           </a:p>
@@ -1346,7 +1356,7 @@
           <a:p>
             <a:fld id="{5BEA20B9-9460-E54E-BEDE-0444A43942D8}" type="datetimeFigureOut">
               <a:rPr lang="en-US" smtClean="0"/>
-              <a:t>9/16/15</a:t>
+              <a:t>9/13/17</a:t>
             </a:fld>
             <a:endParaRPr lang="en-US"/>
           </a:p>
@@ -1768,7 +1778,7 @@
           <a:p>
             <a:fld id="{5BEA20B9-9460-E54E-BEDE-0444A43942D8}" type="datetimeFigureOut">
               <a:rPr lang="en-US" smtClean="0"/>
-              <a:t>9/16/15</a:t>
+              <a:t>9/13/17</a:t>
             </a:fld>
             <a:endParaRPr lang="en-US"/>
           </a:p>
@@ -1886,7 +1896,7 @@
           <a:p>
             <a:fld id="{5BEA20B9-9460-E54E-BEDE-0444A43942D8}" type="datetimeFigureOut">
               <a:rPr lang="en-US" smtClean="0"/>
-              <a:t>9/16/15</a:t>
+              <a:t>9/13/17</a:t>
             </a:fld>
             <a:endParaRPr lang="en-US"/>
           </a:p>
@@ -1981,7 +1991,7 @@
           <a:p>
             <a:fld id="{5BEA20B9-9460-E54E-BEDE-0444A43942D8}" type="datetimeFigureOut">
               <a:rPr lang="en-US" smtClean="0"/>
-              <a:t>9/16/15</a:t>
+              <a:t>9/13/17</a:t>
             </a:fld>
             <a:endParaRPr lang="en-US"/>
           </a:p>
@@ -2258,7 +2268,7 @@
           <a:p>
             <a:fld id="{5BEA20B9-9460-E54E-BEDE-0444A43942D8}" type="datetimeFigureOut">
               <a:rPr lang="en-US" smtClean="0"/>
-              <a:t>9/16/15</a:t>
+              <a:t>9/13/17</a:t>
             </a:fld>
             <a:endParaRPr lang="en-US"/>
           </a:p>
@@ -2511,7 +2521,7 @@
           <a:p>
             <a:fld id="{5BEA20B9-9460-E54E-BEDE-0444A43942D8}" type="datetimeFigureOut">
               <a:rPr lang="en-US" smtClean="0"/>
-              <a:t>9/16/15</a:t>
+              <a:t>9/13/17</a:t>
             </a:fld>
             <a:endParaRPr lang="en-US"/>
           </a:p>
@@ -2724,7 +2734,7 @@
           <a:p>
             <a:fld id="{5BEA20B9-9460-E54E-BEDE-0444A43942D8}" type="datetimeFigureOut">
               <a:rPr lang="en-US" smtClean="0"/>
-              <a:t>9/16/15</a:t>
+              <a:t>9/13/17</a:t>
             </a:fld>
             <a:endParaRPr lang="en-US"/>
           </a:p>
@@ -3164,6 +3174,506 @@
 </p:sld>
 </file>
 
+<file path=ppt/slides/slide10.xml><?xml version="1.0" encoding="utf-8"?>
+<p:sld xmlns:a="http://schemas.openxmlformats.org/drawingml/2006/main" xmlns:r="http://schemas.openxmlformats.org/officeDocument/2006/relationships" xmlns:p="http://schemas.openxmlformats.org/presentationml/2006/main">
+  <p:cSld>
+    <p:spTree>
+      <p:nvGrpSpPr>
+        <p:cNvPr id="1" name=""/>
+        <p:cNvGrpSpPr/>
+        <p:nvPr/>
+      </p:nvGrpSpPr>
+      <p:grpSpPr>
+        <a:xfrm>
+          <a:off x="0" y="0"/>
+          <a:ext cx="0" cy="0"/>
+          <a:chOff x="0" y="0"/>
+          <a:chExt cx="0" cy="0"/>
+        </a:xfrm>
+      </p:grpSpPr>
+      <p:sp>
+        <p:nvSpPr>
+          <p:cNvPr id="2" name="Title 1"/>
+          <p:cNvSpPr>
+            <a:spLocks noGrp="1"/>
+          </p:cNvSpPr>
+          <p:nvPr>
+            <p:ph type="title"/>
+          </p:nvPr>
+        </p:nvSpPr>
+        <p:spPr/>
+        <p:txBody>
+          <a:bodyPr/>
+          <a:lstStyle/>
+          <a:p>
+            <a:endParaRPr lang="en-US" dirty="0"/>
+          </a:p>
+        </p:txBody>
+      </p:sp>
+      <p:pic>
+        <p:nvPicPr>
+          <p:cNvPr id="4" name="Picture 3"/>
+          <p:cNvPicPr>
+            <a:picLocks noChangeAspect="1"/>
+          </p:cNvPicPr>
+          <p:nvPr/>
+        </p:nvPicPr>
+        <p:blipFill>
+          <a:blip r:embed="rId2"/>
+          <a:stretch>
+            <a:fillRect/>
+          </a:stretch>
+        </p:blipFill>
+        <p:spPr>
+          <a:xfrm>
+            <a:off x="635000" y="431800"/>
+            <a:ext cx="7874000" cy="5981700"/>
+          </a:xfrm>
+          <a:prstGeom prst="rect">
+            <a:avLst/>
+          </a:prstGeom>
+        </p:spPr>
+      </p:pic>
+    </p:spTree>
+    <p:extLst>
+      <p:ext uri="{BB962C8B-B14F-4D97-AF65-F5344CB8AC3E}">
+        <p14:creationId xmlns:p14="http://schemas.microsoft.com/office/powerpoint/2010/main" val="1276742109"/>
+      </p:ext>
+    </p:extLst>
+  </p:cSld>
+  <p:clrMapOvr>
+    <a:masterClrMapping/>
+  </p:clrMapOvr>
+  <p:timing>
+    <p:tnLst>
+      <p:par>
+        <p:cTn xmlns:p14="http://schemas.microsoft.com/office/powerpoint/2010/main" id="1" dur="indefinite" restart="never" nodeType="tmRoot"/>
+      </p:par>
+    </p:tnLst>
+  </p:timing>
+</p:sld>
+</file>
+
+<file path=ppt/slides/slide11.xml><?xml version="1.0" encoding="utf-8"?>
+<p:sld xmlns:a="http://schemas.openxmlformats.org/drawingml/2006/main" xmlns:r="http://schemas.openxmlformats.org/officeDocument/2006/relationships" xmlns:p="http://schemas.openxmlformats.org/presentationml/2006/main">
+  <p:cSld>
+    <p:spTree>
+      <p:nvGrpSpPr>
+        <p:cNvPr id="1" name=""/>
+        <p:cNvGrpSpPr/>
+        <p:nvPr/>
+      </p:nvGrpSpPr>
+      <p:grpSpPr>
+        <a:xfrm>
+          <a:off x="0" y="0"/>
+          <a:ext cx="0" cy="0"/>
+          <a:chOff x="0" y="0"/>
+          <a:chExt cx="0" cy="0"/>
+        </a:xfrm>
+      </p:grpSpPr>
+      <p:sp>
+        <p:nvSpPr>
+          <p:cNvPr id="2" name="Title 1"/>
+          <p:cNvSpPr>
+            <a:spLocks noGrp="1"/>
+          </p:cNvSpPr>
+          <p:nvPr>
+            <p:ph type="title"/>
+          </p:nvPr>
+        </p:nvSpPr>
+        <p:spPr/>
+        <p:txBody>
+          <a:bodyPr/>
+          <a:lstStyle/>
+          <a:p>
+            <a:endParaRPr lang="en-US"/>
+          </a:p>
+        </p:txBody>
+      </p:sp>
+      <p:pic>
+        <p:nvPicPr>
+          <p:cNvPr id="4" name="Picture 3"/>
+          <p:cNvPicPr>
+            <a:picLocks noChangeAspect="1"/>
+          </p:cNvPicPr>
+          <p:nvPr/>
+        </p:nvPicPr>
+        <p:blipFill>
+          <a:blip r:embed="rId2"/>
+          <a:stretch>
+            <a:fillRect/>
+          </a:stretch>
+        </p:blipFill>
+        <p:spPr>
+          <a:xfrm>
+            <a:off x="495300" y="215900"/>
+            <a:ext cx="8140700" cy="6426200"/>
+          </a:xfrm>
+          <a:prstGeom prst="rect">
+            <a:avLst/>
+          </a:prstGeom>
+        </p:spPr>
+      </p:pic>
+    </p:spTree>
+    <p:extLst>
+      <p:ext uri="{BB962C8B-B14F-4D97-AF65-F5344CB8AC3E}">
+        <p14:creationId xmlns:p14="http://schemas.microsoft.com/office/powerpoint/2010/main" val="4017157632"/>
+      </p:ext>
+    </p:extLst>
+  </p:cSld>
+  <p:clrMapOvr>
+    <a:masterClrMapping/>
+  </p:clrMapOvr>
+  <p:timing>
+    <p:tnLst>
+      <p:par>
+        <p:cTn xmlns:p14="http://schemas.microsoft.com/office/powerpoint/2010/main" id="1" dur="indefinite" restart="never" nodeType="tmRoot"/>
+      </p:par>
+    </p:tnLst>
+  </p:timing>
+</p:sld>
+</file>
+
+<file path=ppt/slides/slide12.xml><?xml version="1.0" encoding="utf-8"?>
+<p:sld xmlns:a="http://schemas.openxmlformats.org/drawingml/2006/main" xmlns:r="http://schemas.openxmlformats.org/officeDocument/2006/relationships" xmlns:p="http://schemas.openxmlformats.org/presentationml/2006/main">
+  <p:cSld>
+    <p:spTree>
+      <p:nvGrpSpPr>
+        <p:cNvPr id="1" name=""/>
+        <p:cNvGrpSpPr/>
+        <p:nvPr/>
+      </p:nvGrpSpPr>
+      <p:grpSpPr>
+        <a:xfrm>
+          <a:off x="0" y="0"/>
+          <a:ext cx="0" cy="0"/>
+          <a:chOff x="0" y="0"/>
+          <a:chExt cx="0" cy="0"/>
+        </a:xfrm>
+      </p:grpSpPr>
+      <p:pic>
+        <p:nvPicPr>
+          <p:cNvPr id="4" name="Picture 3"/>
+          <p:cNvPicPr>
+            <a:picLocks noChangeAspect="1"/>
+          </p:cNvPicPr>
+          <p:nvPr/>
+        </p:nvPicPr>
+        <p:blipFill>
+          <a:blip r:embed="rId2"/>
+          <a:stretch>
+            <a:fillRect/>
+          </a:stretch>
+        </p:blipFill>
+        <p:spPr>
+          <a:xfrm>
+            <a:off x="533400" y="2362200"/>
+            <a:ext cx="8064500" cy="2120900"/>
+          </a:xfrm>
+          <a:prstGeom prst="rect">
+            <a:avLst/>
+          </a:prstGeom>
+        </p:spPr>
+      </p:pic>
+    </p:spTree>
+    <p:extLst>
+      <p:ext uri="{BB962C8B-B14F-4D97-AF65-F5344CB8AC3E}">
+        <p14:creationId xmlns:p14="http://schemas.microsoft.com/office/powerpoint/2010/main" val="961970623"/>
+      </p:ext>
+    </p:extLst>
+  </p:cSld>
+  <p:clrMapOvr>
+    <a:masterClrMapping/>
+  </p:clrMapOvr>
+  <p:timing>
+    <p:tnLst>
+      <p:par>
+        <p:cTn xmlns:p14="http://schemas.microsoft.com/office/powerpoint/2010/main" id="1" dur="indefinite" restart="never" nodeType="tmRoot"/>
+      </p:par>
+    </p:tnLst>
+  </p:timing>
+</p:sld>
+</file>
+
+<file path=ppt/slides/slide13.xml><?xml version="1.0" encoding="utf-8"?>
+<p:sld xmlns:a="http://schemas.openxmlformats.org/drawingml/2006/main" xmlns:r="http://schemas.openxmlformats.org/officeDocument/2006/relationships" xmlns:p="http://schemas.openxmlformats.org/presentationml/2006/main">
+  <p:cSld>
+    <p:spTree>
+      <p:nvGrpSpPr>
+        <p:cNvPr id="1" name=""/>
+        <p:cNvGrpSpPr/>
+        <p:nvPr/>
+      </p:nvGrpSpPr>
+      <p:grpSpPr>
+        <a:xfrm>
+          <a:off x="0" y="0"/>
+          <a:ext cx="0" cy="0"/>
+          <a:chOff x="0" y="0"/>
+          <a:chExt cx="0" cy="0"/>
+        </a:xfrm>
+      </p:grpSpPr>
+      <p:sp>
+        <p:nvSpPr>
+          <p:cNvPr id="2" name="Title 1"/>
+          <p:cNvSpPr>
+            <a:spLocks noGrp="1"/>
+          </p:cNvSpPr>
+          <p:nvPr>
+            <p:ph type="title"/>
+          </p:nvPr>
+        </p:nvSpPr>
+        <p:spPr/>
+        <p:txBody>
+          <a:bodyPr>
+            <a:normAutofit fontScale="90000"/>
+          </a:bodyPr>
+          <a:lstStyle/>
+          <a:p>
+            <a:r>
+              <a:rPr lang="en-US" b="1" dirty="0" smtClean="0"/>
+              <a:t>Example: Show the shortest path between two points is a straight line</a:t>
+            </a:r>
+            <a:endParaRPr lang="en-US" b="1" dirty="0"/>
+          </a:p>
+        </p:txBody>
+      </p:sp>
+      <p:sp>
+        <p:nvSpPr>
+          <p:cNvPr id="3" name="Content Placeholder 2"/>
+          <p:cNvSpPr>
+            <a:spLocks noGrp="1"/>
+          </p:cNvSpPr>
+          <p:nvPr>
+            <p:ph idx="1"/>
+          </p:nvPr>
+        </p:nvSpPr>
+        <p:spPr/>
+        <p:txBody>
+          <a:bodyPr/>
+          <a:lstStyle/>
+          <a:p>
+            <a:r>
+              <a:rPr lang="en-US" dirty="0" smtClean="0"/>
+              <a:t>I.e. </a:t>
+            </a:r>
+            <a:r>
+              <a:rPr lang="en-US" dirty="0"/>
+              <a:t>finding the real-valued function f on the interval [a, b], such that f(a) = c and f(b) = d, for which the path length along the curve traced by f is as short as possible</a:t>
+            </a:r>
+          </a:p>
+          <a:p>
+            <a:endParaRPr lang="en-US" dirty="0"/>
+          </a:p>
+        </p:txBody>
+      </p:sp>
+    </p:spTree>
+    <p:extLst>
+      <p:ext uri="{BB962C8B-B14F-4D97-AF65-F5344CB8AC3E}">
+        <p14:creationId xmlns:p14="http://schemas.microsoft.com/office/powerpoint/2010/main" val="570727905"/>
+      </p:ext>
+    </p:extLst>
+  </p:cSld>
+  <p:clrMapOvr>
+    <a:masterClrMapping/>
+  </p:clrMapOvr>
+  <p:timing>
+    <p:tnLst>
+      <p:par>
+        <p:cTn xmlns:p14="http://schemas.microsoft.com/office/powerpoint/2010/main" id="1" dur="indefinite" restart="never" nodeType="tmRoot"/>
+      </p:par>
+    </p:tnLst>
+  </p:timing>
+</p:sld>
+</file>
+
+<file path=ppt/slides/slide14.xml><?xml version="1.0" encoding="utf-8"?>
+<p:sld xmlns:a="http://schemas.openxmlformats.org/drawingml/2006/main" xmlns:r="http://schemas.openxmlformats.org/officeDocument/2006/relationships" xmlns:p="http://schemas.openxmlformats.org/presentationml/2006/main">
+  <p:cSld>
+    <p:spTree>
+      <p:nvGrpSpPr>
+        <p:cNvPr id="1" name=""/>
+        <p:cNvGrpSpPr/>
+        <p:nvPr/>
+      </p:nvGrpSpPr>
+      <p:grpSpPr>
+        <a:xfrm>
+          <a:off x="0" y="0"/>
+          <a:ext cx="0" cy="0"/>
+          <a:chOff x="0" y="0"/>
+          <a:chExt cx="0" cy="0"/>
+        </a:xfrm>
+      </p:grpSpPr>
+      <p:sp>
+        <p:nvSpPr>
+          <p:cNvPr id="2" name="Title 1"/>
+          <p:cNvSpPr>
+            <a:spLocks noGrp="1"/>
+          </p:cNvSpPr>
+          <p:nvPr>
+            <p:ph type="title"/>
+          </p:nvPr>
+        </p:nvSpPr>
+        <p:spPr>
+          <a:xfrm>
+            <a:off x="457200" y="44828"/>
+            <a:ext cx="8229600" cy="487362"/>
+          </a:xfrm>
+        </p:spPr>
+        <p:txBody>
+          <a:bodyPr>
+            <a:normAutofit fontScale="90000"/>
+          </a:bodyPr>
+          <a:lstStyle/>
+          <a:p>
+            <a:r>
+              <a:rPr lang="en-US" dirty="0" smtClean="0"/>
+              <a:t>Example:</a:t>
+            </a:r>
+            <a:endParaRPr lang="en-US" dirty="0"/>
+          </a:p>
+        </p:txBody>
+      </p:sp>
+      <p:pic>
+        <p:nvPicPr>
+          <p:cNvPr id="4" name="Picture 3"/>
+          <p:cNvPicPr>
+            <a:picLocks noChangeAspect="1"/>
+          </p:cNvPicPr>
+          <p:nvPr/>
+        </p:nvPicPr>
+        <p:blipFill>
+          <a:blip r:embed="rId2"/>
+          <a:stretch>
+            <a:fillRect/>
+          </a:stretch>
+        </p:blipFill>
+        <p:spPr>
+          <a:xfrm>
+            <a:off x="457200" y="670647"/>
+            <a:ext cx="8418286" cy="6011670"/>
+          </a:xfrm>
+          <a:prstGeom prst="rect">
+            <a:avLst/>
+          </a:prstGeom>
+        </p:spPr>
+      </p:pic>
+    </p:spTree>
+    <p:extLst>
+      <p:ext uri="{BB962C8B-B14F-4D97-AF65-F5344CB8AC3E}">
+        <p14:creationId xmlns:p14="http://schemas.microsoft.com/office/powerpoint/2010/main" val="3505034894"/>
+      </p:ext>
+    </p:extLst>
+  </p:cSld>
+  <p:clrMapOvr>
+    <a:masterClrMapping/>
+  </p:clrMapOvr>
+  <p:timing>
+    <p:tnLst>
+      <p:par>
+        <p:cTn xmlns:p14="http://schemas.microsoft.com/office/powerpoint/2010/main" id="1" dur="indefinite" restart="never" nodeType="tmRoot"/>
+      </p:par>
+    </p:tnLst>
+  </p:timing>
+</p:sld>
+</file>
+
+<file path=ppt/slides/slide15.xml><?xml version="1.0" encoding="utf-8"?>
+<p:sld xmlns:a="http://schemas.openxmlformats.org/drawingml/2006/main" xmlns:r="http://schemas.openxmlformats.org/officeDocument/2006/relationships" xmlns:p="http://schemas.openxmlformats.org/presentationml/2006/main">
+  <p:cSld>
+    <p:spTree>
+      <p:nvGrpSpPr>
+        <p:cNvPr id="1" name=""/>
+        <p:cNvGrpSpPr/>
+        <p:nvPr/>
+      </p:nvGrpSpPr>
+      <p:grpSpPr>
+        <a:xfrm>
+          <a:off x="0" y="0"/>
+          <a:ext cx="0" cy="0"/>
+          <a:chOff x="0" y="0"/>
+          <a:chExt cx="0" cy="0"/>
+        </a:xfrm>
+      </p:grpSpPr>
+      <p:sp>
+        <p:nvSpPr>
+          <p:cNvPr id="2" name="Title 1"/>
+          <p:cNvSpPr>
+            <a:spLocks noGrp="1"/>
+          </p:cNvSpPr>
+          <p:nvPr>
+            <p:ph type="title"/>
+          </p:nvPr>
+        </p:nvSpPr>
+        <p:spPr/>
+        <p:txBody>
+          <a:bodyPr>
+            <a:normAutofit fontScale="90000"/>
+          </a:bodyPr>
+          <a:lstStyle/>
+          <a:p>
+            <a:r>
+              <a:rPr lang="en-US" dirty="0" smtClean="0"/>
+              <a:t>Our proof—Using Some Geometric Observation</a:t>
+            </a:r>
+            <a:endParaRPr lang="en-US" dirty="0"/>
+          </a:p>
+        </p:txBody>
+      </p:sp>
+      <p:sp>
+        <p:nvSpPr>
+          <p:cNvPr id="3" name="Content Placeholder 2"/>
+          <p:cNvSpPr>
+            <a:spLocks noGrp="1"/>
+          </p:cNvSpPr>
+          <p:nvPr>
+            <p:ph idx="1"/>
+          </p:nvPr>
+        </p:nvSpPr>
+        <p:spPr/>
+        <p:txBody>
+          <a:bodyPr/>
+          <a:lstStyle/>
+          <a:p>
+            <a:r>
+              <a:rPr lang="en-US" dirty="0" smtClean="0"/>
+              <a:t>Work on the board.</a:t>
+            </a:r>
+          </a:p>
+          <a:p>
+            <a:r>
+              <a:rPr lang="en-US" dirty="0" smtClean="0"/>
+              <a:t>For the details, please see the attached paper.</a:t>
+            </a:r>
+          </a:p>
+          <a:p>
+            <a:r>
+              <a:rPr lang="en-US" dirty="0" smtClean="0"/>
+              <a:t>Let the students to observe the techniques we used.</a:t>
+            </a:r>
+            <a:endParaRPr lang="en-US" dirty="0"/>
+          </a:p>
+        </p:txBody>
+      </p:sp>
+    </p:spTree>
+    <p:extLst>
+      <p:ext uri="{BB962C8B-B14F-4D97-AF65-F5344CB8AC3E}">
+        <p14:creationId xmlns:p14="http://schemas.microsoft.com/office/powerpoint/2010/main" val="3545968171"/>
+      </p:ext>
+    </p:extLst>
+  </p:cSld>
+  <p:clrMapOvr>
+    <a:masterClrMapping/>
+  </p:clrMapOvr>
+  <p:timing>
+    <p:tnLst>
+      <p:par>
+        <p:cTn xmlns:p14="http://schemas.microsoft.com/office/powerpoint/2010/main" id="1" dur="indefinite" restart="never" nodeType="tmRoot"/>
+      </p:par>
+    </p:tnLst>
+  </p:timing>
+</p:sld>
+</file>
+
 <file path=ppt/slides/slide2.xml><?xml version="1.0" encoding="utf-8"?>
 <p:sld xmlns:a="http://schemas.openxmlformats.org/drawingml/2006/main" xmlns:r="http://schemas.openxmlformats.org/officeDocument/2006/relationships" xmlns:p="http://schemas.openxmlformats.org/presentationml/2006/main">
   <p:cSld>
@@ -3567,18 +4077,23 @@
             <p:ph type="title"/>
           </p:nvPr>
         </p:nvSpPr>
-        <p:spPr/>
+        <p:spPr>
+          <a:xfrm>
+            <a:off x="457200" y="32733"/>
+            <a:ext cx="8229600" cy="656696"/>
+          </a:xfrm>
+        </p:spPr>
         <p:txBody>
           <a:bodyPr>
-            <a:normAutofit fontScale="90000"/>
+            <a:normAutofit/>
           </a:bodyPr>
           <a:lstStyle/>
           <a:p>
             <a:r>
-              <a:rPr lang="en-US" dirty="0" smtClean="0"/>
-              <a:t>Our proof—Using Some Geometric Observation</a:t>
-            </a:r>
-            <a:endParaRPr lang="en-US" dirty="0"/>
+              <a:rPr lang="en-US" sz="3200" b="1" dirty="0" smtClean="0"/>
+              <a:t>Using Euler-Lagrange Equation</a:t>
+            </a:r>
+            <a:endParaRPr lang="en-US" sz="3200" b="1" dirty="0"/>
           </a:p>
         </p:txBody>
       </p:sp>
@@ -3592,41 +4107,523 @@
             <p:ph idx="1"/>
           </p:nvPr>
         </p:nvSpPr>
-        <p:spPr/>
-        <p:txBody>
-          <a:bodyPr/>
-          <a:lstStyle/>
-          <a:p>
-            <a:r>
-              <a:rPr lang="en-US" dirty="0" smtClean="0"/>
-              <a:t>Work on the board.</a:t>
-            </a:r>
-          </a:p>
-          <a:p>
-            <a:r>
-              <a:rPr lang="en-US" dirty="0" smtClean="0"/>
-              <a:t>For the details, please see the attached paper.</a:t>
-            </a:r>
-          </a:p>
-          <a:p>
-            <a:r>
-              <a:rPr lang="en-US" dirty="0" smtClean="0"/>
-              <a:t>Let the students to observe the techniques we used.</a:t>
-            </a:r>
-            <a:endParaRPr lang="en-US" dirty="0"/>
-          </a:p>
-        </p:txBody>
-      </p:sp>
+        <p:spPr>
+          <a:xfrm>
+            <a:off x="266095" y="689430"/>
+            <a:ext cx="8553753" cy="1427238"/>
+          </a:xfrm>
+        </p:spPr>
+        <p:txBody>
+          <a:bodyPr>
+            <a:normAutofit/>
+          </a:bodyPr>
+          <a:lstStyle/>
+          <a:p>
+            <a:pPr marL="0" indent="0">
+              <a:buNone/>
+            </a:pPr>
+            <a:r>
+              <a:rPr lang="en-US" sz="2400" dirty="0"/>
+              <a:t>The Euler–Lagrange equation is an equation satisfied by a function q of a real argument t, which is a stationary point of the </a:t>
+            </a:r>
+            <a:r>
+              <a:rPr lang="en-US" sz="2400" dirty="0" smtClean="0"/>
+              <a:t>functional</a:t>
+            </a:r>
+          </a:p>
+          <a:p>
+            <a:endParaRPr lang="en-US" sz="2400" dirty="0"/>
+          </a:p>
+          <a:p>
+            <a:endParaRPr lang="en-US" sz="2400" dirty="0"/>
+          </a:p>
+        </p:txBody>
+      </p:sp>
+      <p:pic>
+        <p:nvPicPr>
+          <p:cNvPr id="6" name="Picture 5"/>
+          <p:cNvPicPr>
+            <a:picLocks noChangeAspect="1"/>
+          </p:cNvPicPr>
+          <p:nvPr/>
+        </p:nvPicPr>
+        <p:blipFill>
+          <a:blip r:embed="rId2"/>
+          <a:stretch>
+            <a:fillRect/>
+          </a:stretch>
+        </p:blipFill>
+        <p:spPr>
+          <a:xfrm>
+            <a:off x="985762" y="1693894"/>
+            <a:ext cx="6948714" cy="5020172"/>
+          </a:xfrm>
+          <a:prstGeom prst="rect">
+            <a:avLst/>
+          </a:prstGeom>
+        </p:spPr>
+      </p:pic>
     </p:spTree>
     <p:extLst>
       <p:ext uri="{BB962C8B-B14F-4D97-AF65-F5344CB8AC3E}">
-        <p14:creationId xmlns:p14="http://schemas.microsoft.com/office/powerpoint/2010/main" val="3545968171"/>
+        <p14:creationId xmlns:p14="http://schemas.microsoft.com/office/powerpoint/2010/main" val="4003328242"/>
       </p:ext>
     </p:extLst>
   </p:cSld>
   <p:clrMapOvr>
     <a:masterClrMapping/>
   </p:clrMapOvr>
+  <p:timing>
+    <p:tnLst>
+      <p:par>
+        <p:cTn xmlns:p14="http://schemas.microsoft.com/office/powerpoint/2010/main" id="1" dur="indefinite" restart="never" nodeType="tmRoot"/>
+      </p:par>
+    </p:tnLst>
+  </p:timing>
+</p:sld>
+</file>
+
+<file path=ppt/slides/slide6.xml><?xml version="1.0" encoding="utf-8"?>
+<p:sld xmlns:a="http://schemas.openxmlformats.org/drawingml/2006/main" xmlns:r="http://schemas.openxmlformats.org/officeDocument/2006/relationships" xmlns:p="http://schemas.openxmlformats.org/presentationml/2006/main">
+  <p:cSld>
+    <p:spTree>
+      <p:nvGrpSpPr>
+        <p:cNvPr id="1" name=""/>
+        <p:cNvGrpSpPr/>
+        <p:nvPr/>
+      </p:nvGrpSpPr>
+      <p:grpSpPr>
+        <a:xfrm>
+          <a:off x="0" y="0"/>
+          <a:ext cx="0" cy="0"/>
+          <a:chOff x="0" y="0"/>
+          <a:chExt cx="0" cy="0"/>
+        </a:xfrm>
+      </p:grpSpPr>
+      <p:pic>
+        <p:nvPicPr>
+          <p:cNvPr id="4" name="Picture 3"/>
+          <p:cNvPicPr>
+            <a:picLocks noChangeAspect="1"/>
+          </p:cNvPicPr>
+          <p:nvPr/>
+        </p:nvPicPr>
+        <p:blipFill>
+          <a:blip r:embed="rId2"/>
+          <a:stretch>
+            <a:fillRect/>
+          </a:stretch>
+        </p:blipFill>
+        <p:spPr>
+          <a:xfrm>
+            <a:off x="120952" y="411237"/>
+            <a:ext cx="8937763" cy="5241783"/>
+          </a:xfrm>
+          <a:prstGeom prst="rect">
+            <a:avLst/>
+          </a:prstGeom>
+        </p:spPr>
+      </p:pic>
+      <p:sp>
+        <p:nvSpPr>
+          <p:cNvPr id="5" name="Rectangle 4"/>
+          <p:cNvSpPr/>
+          <p:nvPr/>
+        </p:nvSpPr>
+        <p:spPr>
+          <a:xfrm>
+            <a:off x="508000" y="5934308"/>
+            <a:ext cx="7341810" cy="646331"/>
+          </a:xfrm>
+          <a:prstGeom prst="rect">
+            <a:avLst/>
+          </a:prstGeom>
+        </p:spPr>
+        <p:txBody>
+          <a:bodyPr wrap="square">
+            <a:spAutoFit/>
+          </a:bodyPr>
+          <a:lstStyle/>
+          <a:p>
+            <a:r>
+              <a:rPr lang="en-US" dirty="0" smtClean="0"/>
+              <a:t>Where  </a:t>
+            </a:r>
+            <a:r>
+              <a:rPr lang="en-US" dirty="0"/>
+              <a:t>L_{x} and </a:t>
+            </a:r>
+            <a:r>
+              <a:rPr lang="en-US" dirty="0" smtClean="0"/>
+              <a:t>L_</a:t>
+            </a:r>
+            <a:r>
+              <a:rPr lang="en-US" dirty="0"/>
+              <a:t>{v} denote the partial derivatives of </a:t>
+            </a:r>
+            <a:r>
+              <a:rPr lang="en-US" dirty="0" smtClean="0"/>
+              <a:t>L </a:t>
+            </a:r>
+            <a:r>
+              <a:rPr lang="en-US" dirty="0"/>
+              <a:t>with respect to the second and third arguments, respectively.</a:t>
+            </a:r>
+          </a:p>
+        </p:txBody>
+      </p:sp>
+    </p:spTree>
+    <p:extLst>
+      <p:ext uri="{BB962C8B-B14F-4D97-AF65-F5344CB8AC3E}">
+        <p14:creationId xmlns:p14="http://schemas.microsoft.com/office/powerpoint/2010/main" val="2591834814"/>
+      </p:ext>
+    </p:extLst>
+  </p:cSld>
+  <p:clrMapOvr>
+    <a:masterClrMapping/>
+  </p:clrMapOvr>
+  <p:timing>
+    <p:tnLst>
+      <p:par>
+        <p:cTn xmlns:p14="http://schemas.microsoft.com/office/powerpoint/2010/main" id="1" dur="indefinite" restart="never" nodeType="tmRoot"/>
+      </p:par>
+    </p:tnLst>
+  </p:timing>
+</p:sld>
+</file>
+
+<file path=ppt/slides/slide7.xml><?xml version="1.0" encoding="utf-8"?>
+<p:sld xmlns:a="http://schemas.openxmlformats.org/drawingml/2006/main" xmlns:r="http://schemas.openxmlformats.org/officeDocument/2006/relationships" xmlns:p="http://schemas.openxmlformats.org/presentationml/2006/main">
+  <p:cSld>
+    <p:spTree>
+      <p:nvGrpSpPr>
+        <p:cNvPr id="1" name=""/>
+        <p:cNvGrpSpPr/>
+        <p:nvPr/>
+      </p:nvGrpSpPr>
+      <p:grpSpPr>
+        <a:xfrm>
+          <a:off x="0" y="0"/>
+          <a:ext cx="0" cy="0"/>
+          <a:chOff x="0" y="0"/>
+          <a:chExt cx="0" cy="0"/>
+        </a:xfrm>
+      </p:grpSpPr>
+      <p:pic>
+        <p:nvPicPr>
+          <p:cNvPr id="4" name="Picture 3"/>
+          <p:cNvPicPr>
+            <a:picLocks noChangeAspect="1"/>
+          </p:cNvPicPr>
+          <p:nvPr/>
+        </p:nvPicPr>
+        <p:blipFill>
+          <a:blip r:embed="rId2"/>
+          <a:stretch>
+            <a:fillRect/>
+          </a:stretch>
+        </p:blipFill>
+        <p:spPr>
+          <a:xfrm>
+            <a:off x="255814" y="356205"/>
+            <a:ext cx="7035800" cy="533400"/>
+          </a:xfrm>
+          <a:prstGeom prst="rect">
+            <a:avLst/>
+          </a:prstGeom>
+        </p:spPr>
+      </p:pic>
+      <p:pic>
+        <p:nvPicPr>
+          <p:cNvPr id="5" name="Picture 4"/>
+          <p:cNvPicPr>
+            <a:picLocks noChangeAspect="1"/>
+          </p:cNvPicPr>
+          <p:nvPr/>
+        </p:nvPicPr>
+        <p:blipFill>
+          <a:blip r:embed="rId3"/>
+          <a:stretch>
+            <a:fillRect/>
+          </a:stretch>
+        </p:blipFill>
+        <p:spPr>
+          <a:xfrm>
+            <a:off x="255814" y="889605"/>
+            <a:ext cx="6769100" cy="533400"/>
+          </a:xfrm>
+          <a:prstGeom prst="rect">
+            <a:avLst/>
+          </a:prstGeom>
+        </p:spPr>
+      </p:pic>
+      <p:pic>
+        <p:nvPicPr>
+          <p:cNvPr id="6" name="Picture 5"/>
+          <p:cNvPicPr>
+            <a:picLocks noChangeAspect="1"/>
+          </p:cNvPicPr>
+          <p:nvPr/>
+        </p:nvPicPr>
+        <p:blipFill>
+          <a:blip r:embed="rId4"/>
+          <a:stretch>
+            <a:fillRect/>
+          </a:stretch>
+        </p:blipFill>
+        <p:spPr>
+          <a:xfrm>
+            <a:off x="255814" y="1507672"/>
+            <a:ext cx="2679700" cy="368300"/>
+          </a:xfrm>
+          <a:prstGeom prst="rect">
+            <a:avLst/>
+          </a:prstGeom>
+        </p:spPr>
+      </p:pic>
+      <p:pic>
+        <p:nvPicPr>
+          <p:cNvPr id="7" name="Picture 6"/>
+          <p:cNvPicPr>
+            <a:picLocks noChangeAspect="1"/>
+          </p:cNvPicPr>
+          <p:nvPr/>
+        </p:nvPicPr>
+        <p:blipFill>
+          <a:blip r:embed="rId5"/>
+          <a:stretch>
+            <a:fillRect/>
+          </a:stretch>
+        </p:blipFill>
+        <p:spPr>
+          <a:xfrm>
+            <a:off x="255814" y="2342609"/>
+            <a:ext cx="8744857" cy="958632"/>
+          </a:xfrm>
+          <a:prstGeom prst="rect">
+            <a:avLst/>
+          </a:prstGeom>
+        </p:spPr>
+      </p:pic>
+    </p:spTree>
+    <p:extLst>
+      <p:ext uri="{BB962C8B-B14F-4D97-AF65-F5344CB8AC3E}">
+        <p14:creationId xmlns:p14="http://schemas.microsoft.com/office/powerpoint/2010/main" val="147649350"/>
+      </p:ext>
+    </p:extLst>
+  </p:cSld>
+  <p:clrMapOvr>
+    <a:masterClrMapping/>
+  </p:clrMapOvr>
+  <p:timing>
+    <p:tnLst>
+      <p:par>
+        <p:cTn xmlns:p14="http://schemas.microsoft.com/office/powerpoint/2010/main" id="1" dur="indefinite" restart="never" nodeType="tmRoot"/>
+      </p:par>
+    </p:tnLst>
+  </p:timing>
+</p:sld>
+</file>
+
+<file path=ppt/slides/slide8.xml><?xml version="1.0" encoding="utf-8"?>
+<p:sld xmlns:a="http://schemas.openxmlformats.org/drawingml/2006/main" xmlns:r="http://schemas.openxmlformats.org/officeDocument/2006/relationships" xmlns:p="http://schemas.openxmlformats.org/presentationml/2006/main">
+  <p:cSld>
+    <p:spTree>
+      <p:nvGrpSpPr>
+        <p:cNvPr id="1" name=""/>
+        <p:cNvGrpSpPr/>
+        <p:nvPr/>
+      </p:nvGrpSpPr>
+      <p:grpSpPr>
+        <a:xfrm>
+          <a:off x="0" y="0"/>
+          <a:ext cx="0" cy="0"/>
+          <a:chOff x="0" y="0"/>
+          <a:chExt cx="0" cy="0"/>
+        </a:xfrm>
+      </p:grpSpPr>
+      <p:sp>
+        <p:nvSpPr>
+          <p:cNvPr id="4" name="Rectangle 3"/>
+          <p:cNvSpPr/>
+          <p:nvPr/>
+        </p:nvSpPr>
+        <p:spPr>
+          <a:xfrm>
+            <a:off x="385232" y="1744898"/>
+            <a:ext cx="8067525" cy="646331"/>
+          </a:xfrm>
+          <a:prstGeom prst="rect">
+            <a:avLst/>
+          </a:prstGeom>
+        </p:spPr>
+        <p:txBody>
+          <a:bodyPr wrap="square">
+            <a:spAutoFit/>
+          </a:bodyPr>
+          <a:lstStyle/>
+          <a:p>
+            <a:r>
+              <a:rPr lang="en-US" dirty="0">
+                <a:solidFill>
+                  <a:srgbClr val="0000FF"/>
+                </a:solidFill>
+              </a:rPr>
+              <a:t>The derivation of the one-dimensional Euler–Lagrange equation is one of the classic proofs in mathematics. It relies on the fundamental lemma of calculus of variations.</a:t>
+            </a:r>
+          </a:p>
+        </p:txBody>
+      </p:sp>
+      <p:pic>
+        <p:nvPicPr>
+          <p:cNvPr id="6" name="Picture 5"/>
+          <p:cNvPicPr>
+            <a:picLocks noChangeAspect="1"/>
+          </p:cNvPicPr>
+          <p:nvPr/>
+        </p:nvPicPr>
+        <p:blipFill>
+          <a:blip r:embed="rId2"/>
+          <a:stretch>
+            <a:fillRect/>
+          </a:stretch>
+        </p:blipFill>
+        <p:spPr>
+          <a:xfrm>
+            <a:off x="400957" y="2999317"/>
+            <a:ext cx="8051800" cy="2603500"/>
+          </a:xfrm>
+          <a:prstGeom prst="rect">
+            <a:avLst/>
+          </a:prstGeom>
+        </p:spPr>
+      </p:pic>
+      <p:pic>
+        <p:nvPicPr>
+          <p:cNvPr id="8" name="Picture 7"/>
+          <p:cNvPicPr>
+            <a:picLocks noChangeAspect="1"/>
+          </p:cNvPicPr>
+          <p:nvPr/>
+        </p:nvPicPr>
+        <p:blipFill>
+          <a:blip r:embed="rId3"/>
+          <a:stretch>
+            <a:fillRect/>
+          </a:stretch>
+        </p:blipFill>
+        <p:spPr>
+          <a:xfrm>
+            <a:off x="400957" y="5546272"/>
+            <a:ext cx="7162800" cy="482600"/>
+          </a:xfrm>
+          <a:prstGeom prst="rect">
+            <a:avLst/>
+          </a:prstGeom>
+        </p:spPr>
+      </p:pic>
+      <p:pic>
+        <p:nvPicPr>
+          <p:cNvPr id="9" name="Picture 8"/>
+          <p:cNvPicPr>
+            <a:picLocks noChangeAspect="1"/>
+          </p:cNvPicPr>
+          <p:nvPr/>
+        </p:nvPicPr>
+        <p:blipFill>
+          <a:blip r:embed="rId4"/>
+          <a:stretch>
+            <a:fillRect/>
+          </a:stretch>
+        </p:blipFill>
+        <p:spPr>
+          <a:xfrm>
+            <a:off x="1155700" y="247507"/>
+            <a:ext cx="6832600" cy="990600"/>
+          </a:xfrm>
+          <a:prstGeom prst="rect">
+            <a:avLst/>
+          </a:prstGeom>
+        </p:spPr>
+      </p:pic>
+    </p:spTree>
+    <p:extLst>
+      <p:ext uri="{BB962C8B-B14F-4D97-AF65-F5344CB8AC3E}">
+        <p14:creationId xmlns:p14="http://schemas.microsoft.com/office/powerpoint/2010/main" val="1696188853"/>
+      </p:ext>
+    </p:extLst>
+  </p:cSld>
+  <p:clrMapOvr>
+    <a:masterClrMapping/>
+  </p:clrMapOvr>
+  <p:timing>
+    <p:tnLst>
+      <p:par>
+        <p:cTn xmlns:p14="http://schemas.microsoft.com/office/powerpoint/2010/main" id="1" dur="indefinite" restart="never" nodeType="tmRoot"/>
+      </p:par>
+    </p:tnLst>
+  </p:timing>
+</p:sld>
+</file>
+
+<file path=ppt/slides/slide9.xml><?xml version="1.0" encoding="utf-8"?>
+<p:sld xmlns:a="http://schemas.openxmlformats.org/drawingml/2006/main" xmlns:r="http://schemas.openxmlformats.org/officeDocument/2006/relationships" xmlns:p="http://schemas.openxmlformats.org/presentationml/2006/main">
+  <p:cSld>
+    <p:spTree>
+      <p:nvGrpSpPr>
+        <p:cNvPr id="1" name=""/>
+        <p:cNvGrpSpPr/>
+        <p:nvPr/>
+      </p:nvGrpSpPr>
+      <p:grpSpPr>
+        <a:xfrm>
+          <a:off x="0" y="0"/>
+          <a:ext cx="0" cy="0"/>
+          <a:chOff x="0" y="0"/>
+          <a:chExt cx="0" cy="0"/>
+        </a:xfrm>
+      </p:grpSpPr>
+      <p:pic>
+        <p:nvPicPr>
+          <p:cNvPr id="4" name="Picture 3"/>
+          <p:cNvPicPr>
+            <a:picLocks noChangeAspect="1"/>
+          </p:cNvPicPr>
+          <p:nvPr/>
+        </p:nvPicPr>
+        <p:blipFill>
+          <a:blip r:embed="rId2"/>
+          <a:stretch>
+            <a:fillRect/>
+          </a:stretch>
+        </p:blipFill>
+        <p:spPr>
+          <a:xfrm>
+            <a:off x="635000" y="356097"/>
+            <a:ext cx="8134048" cy="5943103"/>
+          </a:xfrm>
+          <a:prstGeom prst="rect">
+            <a:avLst/>
+          </a:prstGeom>
+        </p:spPr>
+      </p:pic>
+    </p:spTree>
+    <p:extLst>
+      <p:ext uri="{BB962C8B-B14F-4D97-AF65-F5344CB8AC3E}">
+        <p14:creationId xmlns:p14="http://schemas.microsoft.com/office/powerpoint/2010/main" val="2722364116"/>
+      </p:ext>
+    </p:extLst>
+  </p:cSld>
+  <p:clrMapOvr>
+    <a:masterClrMapping/>
+  </p:clrMapOvr>
+  <p:timing>
+    <p:tnLst>
+      <p:par>
+        <p:cTn xmlns:p14="http://schemas.microsoft.com/office/powerpoint/2010/main" id="1" dur="indefinite" restart="never" nodeType="tmRoot"/>
+      </p:par>
+    </p:tnLst>
+  </p:timing>
 </p:sld>
 </file>
 
